--- a/.docx/Презентация_КП_Шатров.А_32ИСП(до).pptx
+++ b/.docx/Презентация_КП_Шатров.А_32ИСП(до).pptx
@@ -7015,7 +7015,7 @@
         <p:spPr>
           <a:xfrm>
             <a:off x="478013" y="1193282"/>
-            <a:ext cx="5377313" cy="3728649"/>
+            <a:ext cx="5377313" cy="3785652"/>
           </a:xfrm>
           <a:prstGeom prst="rect">
             <a:avLst/>
@@ -7043,7 +7043,106 @@
                 <a:ea typeface="Times New Roman" panose="02020603050405020304" pitchFamily="18" charset="0"/>
                 <a:cs typeface="Arial" panose="020B0604020202020204" pitchFamily="34" charset="0"/>
               </a:rPr>
-              <a:t>Сценарий 1 описывает процесс регистрации нового пользователя в системе онлайн-бронирования столиков. Пользователь начинает с посещения главной страницы сервиса, где нажимает кнопку "Регистрация". Затем он вводит свои данные, включая имя, </a:t>
+              <a:t>Сценарий 1 описывает процесс регистрации нового пользователя в </a:t>
+            </a:r>
+            <a:r>
+              <a:rPr lang="ru-RU" sz="2000" dirty="0" smtClean="0">
+                <a:solidFill>
+                  <a:srgbClr val="203864"/>
+                </a:solidFill>
+                <a:latin typeface="Arial" panose="020B0604020202020204" pitchFamily="34" charset="0"/>
+                <a:ea typeface="Times New Roman" panose="02020603050405020304" pitchFamily="18" charset="0"/>
+                <a:cs typeface="Arial" panose="020B0604020202020204" pitchFamily="34" charset="0"/>
+              </a:rPr>
+              <a:t>системе телекоммуникационных услуг. </a:t>
+            </a:r>
+            <a:r>
+              <a:rPr lang="ru-RU" sz="2000" dirty="0">
+                <a:solidFill>
+                  <a:srgbClr val="203864"/>
+                </a:solidFill>
+                <a:latin typeface="Arial" panose="020B0604020202020204" pitchFamily="34" charset="0"/>
+                <a:ea typeface="Times New Roman" panose="02020603050405020304" pitchFamily="18" charset="0"/>
+                <a:cs typeface="Arial" panose="020B0604020202020204" pitchFamily="34" charset="0"/>
+              </a:rPr>
+              <a:t>Пользователь начинает с посещения главной страницы сервиса, где нажимает кнопку </a:t>
+            </a:r>
+            <a:r>
+              <a:rPr lang="ru-RU" sz="2000" dirty="0" smtClean="0">
+                <a:solidFill>
+                  <a:srgbClr val="203864"/>
+                </a:solidFill>
+                <a:latin typeface="Arial" panose="020B0604020202020204" pitchFamily="34" charset="0"/>
+                <a:ea typeface="Times New Roman" panose="02020603050405020304" pitchFamily="18" charset="0"/>
+                <a:cs typeface="Arial" panose="020B0604020202020204" pitchFamily="34" charset="0"/>
+              </a:rPr>
+              <a:t>"Аккаунт". </a:t>
+            </a:r>
+            <a:r>
+              <a:rPr lang="ru-RU" sz="2000" dirty="0">
+                <a:solidFill>
+                  <a:srgbClr val="203864"/>
+                </a:solidFill>
+                <a:latin typeface="Arial" panose="020B0604020202020204" pitchFamily="34" charset="0"/>
+                <a:ea typeface="Times New Roman" panose="02020603050405020304" pitchFamily="18" charset="0"/>
+                <a:cs typeface="Arial" panose="020B0604020202020204" pitchFamily="34" charset="0"/>
+              </a:rPr>
+              <a:t>Затем он вводит свои данные, включая </a:t>
+            </a:r>
+            <a:r>
+              <a:rPr lang="ru-RU" sz="2000" dirty="0" smtClean="0">
+                <a:solidFill>
+                  <a:srgbClr val="203864"/>
+                </a:solidFill>
+                <a:latin typeface="Arial" panose="020B0604020202020204" pitchFamily="34" charset="0"/>
+                <a:ea typeface="Times New Roman" panose="02020603050405020304" pitchFamily="18" charset="0"/>
+                <a:cs typeface="Arial" panose="020B0604020202020204" pitchFamily="34" charset="0"/>
+              </a:rPr>
+              <a:t>логин</a:t>
+            </a:r>
+            <a:r>
+              <a:rPr lang="en-US" sz="2000" dirty="0" smtClean="0">
+                <a:solidFill>
+                  <a:srgbClr val="203864"/>
+                </a:solidFill>
+                <a:latin typeface="Arial" panose="020B0604020202020204" pitchFamily="34" charset="0"/>
+                <a:ea typeface="Times New Roman" panose="02020603050405020304" pitchFamily="18" charset="0"/>
+                <a:cs typeface="Arial" panose="020B0604020202020204" pitchFamily="34" charset="0"/>
+              </a:rPr>
+              <a:t>,</a:t>
+            </a:r>
+            <a:r>
+              <a:rPr lang="ru-RU" sz="2000" dirty="0" smtClean="0">
+                <a:solidFill>
+                  <a:srgbClr val="203864"/>
+                </a:solidFill>
+                <a:latin typeface="Arial" panose="020B0604020202020204" pitchFamily="34" charset="0"/>
+                <a:ea typeface="Times New Roman" panose="02020603050405020304" pitchFamily="18" charset="0"/>
+                <a:cs typeface="Arial" panose="020B0604020202020204" pitchFamily="34" charset="0"/>
+              </a:rPr>
+              <a:t> имя, фамилия</a:t>
+            </a:r>
+            <a:r>
+              <a:rPr lang="en-US" sz="2000" dirty="0" smtClean="0">
+                <a:solidFill>
+                  <a:srgbClr val="203864"/>
+                </a:solidFill>
+                <a:latin typeface="Arial" panose="020B0604020202020204" pitchFamily="34" charset="0"/>
+                <a:ea typeface="Times New Roman" panose="02020603050405020304" pitchFamily="18" charset="0"/>
+                <a:cs typeface="Arial" panose="020B0604020202020204" pitchFamily="34" charset="0"/>
+              </a:rPr>
+              <a:t>,</a:t>
+            </a:r>
+            <a:r>
+              <a:rPr lang="ru-RU" sz="2000" dirty="0" smtClean="0">
+                <a:solidFill>
+                  <a:srgbClr val="203864"/>
+                </a:solidFill>
+                <a:latin typeface="Arial" panose="020B0604020202020204" pitchFamily="34" charset="0"/>
+                <a:ea typeface="Times New Roman" panose="02020603050405020304" pitchFamily="18" charset="0"/>
+                <a:cs typeface="Arial" panose="020B0604020202020204" pitchFamily="34" charset="0"/>
+              </a:rPr>
+              <a:t> </a:t>
             </a:r>
             <a:r>
               <a:rPr lang="ru-RU" sz="2000" dirty="0" err="1">
@@ -7386,7 +7485,7 @@
         <p:spPr>
           <a:xfrm>
             <a:off x="5967578" y="1108193"/>
-            <a:ext cx="6102502" cy="4196020"/>
+            <a:ext cx="6102502" cy="3831818"/>
           </a:xfrm>
           <a:prstGeom prst="rect">
             <a:avLst/>
@@ -7414,7 +7513,29 @@
                 <a:ea typeface="Times New Roman" panose="02020603050405020304" pitchFamily="18" charset="0"/>
                 <a:cs typeface="Arial" panose="020B0604020202020204" pitchFamily="34" charset="0"/>
               </a:rPr>
-              <a:t>Сценарий 2 охватывает процесс поиска и бронирования столика авторизованным пользователем. </a:t>
+              <a:t>Сценарий 2 охватывает процесс поиска и </a:t>
+            </a:r>
+            <a:r>
+              <a:rPr lang="ru-RU" dirty="0" smtClean="0">
+                <a:solidFill>
+                  <a:srgbClr val="203864"/>
+                </a:solidFill>
+                <a:latin typeface="Arial" panose="020B0604020202020204" pitchFamily="34" charset="0"/>
+                <a:ea typeface="Times New Roman" panose="02020603050405020304" pitchFamily="18" charset="0"/>
+                <a:cs typeface="Arial" panose="020B0604020202020204" pitchFamily="34" charset="0"/>
+              </a:rPr>
+              <a:t>оформление тарифа </a:t>
+            </a:r>
+            <a:r>
+              <a:rPr lang="ru-RU" dirty="0">
+                <a:solidFill>
+                  <a:srgbClr val="203864"/>
+                </a:solidFill>
+                <a:latin typeface="Arial" panose="020B0604020202020204" pitchFamily="34" charset="0"/>
+                <a:ea typeface="Times New Roman" panose="02020603050405020304" pitchFamily="18" charset="0"/>
+                <a:cs typeface="Arial" panose="020B0604020202020204" pitchFamily="34" charset="0"/>
+              </a:rPr>
+              <a:t>авторизованным пользователем. </a:t>
             </a:r>
             <a:endParaRPr lang="en-US" dirty="0">
               <a:solidFill>
@@ -7433,7 +7554,7 @@
               <a:buNone/>
             </a:pPr>
             <a:r>
-              <a:rPr lang="ru-RU" dirty="0">
+              <a:rPr lang="ru-RU" dirty="0" smtClean="0">
                 <a:solidFill>
                   <a:srgbClr val="203864"/>
                 </a:solidFill>
@@ -7441,7 +7562,7 @@
                 <a:ea typeface="Times New Roman" panose="02020603050405020304" pitchFamily="18" charset="0"/>
                 <a:cs typeface="Arial" panose="020B0604020202020204" pitchFamily="34" charset="0"/>
               </a:rPr>
-              <a:t>Пользователь вводит параметры поиска, включая местоположение, дату, время и количество гостей. </a:t>
+              <a:t>Пользователь выбирает нужный ему тариф и вводит адрес подключение. </a:t>
             </a:r>
             <a:endParaRPr lang="en-US" dirty="0">
               <a:solidFill>
@@ -7468,7 +7589,18 @@
                 <a:ea typeface="Times New Roman" panose="02020603050405020304" pitchFamily="18" charset="0"/>
                 <a:cs typeface="Arial" panose="020B0604020202020204" pitchFamily="34" charset="0"/>
               </a:rPr>
-              <a:t>Система отображает список доступных ресторанов, соответствующих указанным критериям. </a:t>
+              <a:t>Система отображает список </a:t>
+            </a:r>
+            <a:r>
+              <a:rPr lang="ru-RU" dirty="0" smtClean="0">
+                <a:solidFill>
+                  <a:srgbClr val="203864"/>
+                </a:solidFill>
+                <a:latin typeface="Arial" panose="020B0604020202020204" pitchFamily="34" charset="0"/>
+                <a:ea typeface="Times New Roman" panose="02020603050405020304" pitchFamily="18" charset="0"/>
+                <a:cs typeface="Arial" panose="020B0604020202020204" pitchFamily="34" charset="0"/>
+              </a:rPr>
+              <a:t>доступных тарифов, соответствующих указанным критериям. </a:t>
             </a:r>
             <a:endParaRPr lang="en-US" dirty="0">
               <a:solidFill>
@@ -7487,7 +7619,7 @@
               <a:buNone/>
             </a:pPr>
             <a:r>
-              <a:rPr lang="ru-RU" dirty="0">
+              <a:rPr lang="ru-RU" dirty="0" smtClean="0">
                 <a:solidFill>
                   <a:srgbClr val="203864"/>
                 </a:solidFill>
@@ -7495,7 +7627,84 @@
                 <a:ea typeface="Times New Roman" panose="02020603050405020304" pitchFamily="18" charset="0"/>
                 <a:cs typeface="Arial" panose="020B0604020202020204" pitchFamily="34" charset="0"/>
               </a:rPr>
-              <a:t>Пользователь выбирает конкретный ресторан из списка, после чего система показывает детальную информацию о выбранном заведении</a:t>
+              <a:t>Пользователь </a:t>
+            </a:r>
+            <a:r>
+              <a:rPr lang="ru-RU" dirty="0">
+                <a:solidFill>
+                  <a:srgbClr val="203864"/>
+                </a:solidFill>
+                <a:latin typeface="Arial" panose="020B0604020202020204" pitchFamily="34" charset="0"/>
+                <a:ea typeface="Times New Roman" panose="02020603050405020304" pitchFamily="18" charset="0"/>
+                <a:cs typeface="Arial" panose="020B0604020202020204" pitchFamily="34" charset="0"/>
+              </a:rPr>
+              <a:t>выбирает </a:t>
+            </a:r>
+            <a:r>
+              <a:rPr lang="ru-RU" dirty="0" smtClean="0">
+                <a:solidFill>
+                  <a:srgbClr val="203864"/>
+                </a:solidFill>
+                <a:latin typeface="Arial" panose="020B0604020202020204" pitchFamily="34" charset="0"/>
+                <a:ea typeface="Times New Roman" panose="02020603050405020304" pitchFamily="18" charset="0"/>
+                <a:cs typeface="Arial" panose="020B0604020202020204" pitchFamily="34" charset="0"/>
+              </a:rPr>
+              <a:t>тариф из </a:t>
+            </a:r>
+            <a:r>
+              <a:rPr lang="ru-RU" dirty="0">
+                <a:solidFill>
+                  <a:srgbClr val="203864"/>
+                </a:solidFill>
+                <a:latin typeface="Arial" panose="020B0604020202020204" pitchFamily="34" charset="0"/>
+                <a:ea typeface="Times New Roman" panose="02020603050405020304" pitchFamily="18" charset="0"/>
+                <a:cs typeface="Arial" panose="020B0604020202020204" pitchFamily="34" charset="0"/>
+              </a:rPr>
+              <a:t>списка, после </a:t>
+            </a:r>
+            <a:r>
+              <a:rPr lang="ru-RU" dirty="0" smtClean="0">
+                <a:solidFill>
+                  <a:srgbClr val="203864"/>
+                </a:solidFill>
+                <a:latin typeface="Arial" panose="020B0604020202020204" pitchFamily="34" charset="0"/>
+                <a:ea typeface="Times New Roman" panose="02020603050405020304" pitchFamily="18" charset="0"/>
+                <a:cs typeface="Arial" panose="020B0604020202020204" pitchFamily="34" charset="0"/>
+              </a:rPr>
+              <a:t>чего подтверждает свой выбор</a:t>
+            </a:r>
+            <a:r>
+              <a:rPr lang="en-US" dirty="0" smtClean="0">
+                <a:solidFill>
+                  <a:srgbClr val="203864"/>
+                </a:solidFill>
+                <a:latin typeface="Arial" panose="020B0604020202020204" pitchFamily="34" charset="0"/>
+                <a:ea typeface="Times New Roman" panose="02020603050405020304" pitchFamily="18" charset="0"/>
+                <a:cs typeface="Arial" panose="020B0604020202020204" pitchFamily="34" charset="0"/>
+              </a:rPr>
+              <a:t>. </a:t>
+            </a:r>
+            <a:r>
+              <a:rPr lang="ru-RU" dirty="0" smtClean="0">
+                <a:solidFill>
+                  <a:srgbClr val="203864"/>
+                </a:solidFill>
+                <a:latin typeface="Arial" panose="020B0604020202020204" pitchFamily="34" charset="0"/>
+                <a:ea typeface="Times New Roman" panose="02020603050405020304" pitchFamily="18" charset="0"/>
+                <a:cs typeface="Arial" panose="020B0604020202020204" pitchFamily="34" charset="0"/>
+              </a:rPr>
+              <a:t>Подключенный тариф отображается в личном кабинете</a:t>
+            </a:r>
+            <a:r>
+              <a:rPr lang="en-US" dirty="0" smtClean="0">
+                <a:solidFill>
+                  <a:srgbClr val="203864"/>
+                </a:solidFill>
+                <a:latin typeface="Arial" panose="020B0604020202020204" pitchFamily="34" charset="0"/>
+                <a:ea typeface="Times New Roman" panose="02020603050405020304" pitchFamily="18" charset="0"/>
+                <a:cs typeface="Arial" panose="020B0604020202020204" pitchFamily="34" charset="0"/>
+              </a:rPr>
+              <a:t>.</a:t>
             </a:r>
             <a:endParaRPr lang="ru-RU" dirty="0">
               <a:latin typeface="Arial" panose="020B0604020202020204" pitchFamily="34" charset="0"/>
